--- a/ppt 16-9/0335.同享主爱筵.pptx
+++ b/ppt 16-9/0335.同享主爱筵.pptx
@@ -129,7 +129,7 @@
           <p:cNvPr id="2" name="标题 1">
             <a:extLst>
               <a:ext uri="{FF2B5EF4-FFF2-40B4-BE49-F238E27FC236}">
-                <a16:creationId xmlns:a16="http://schemas.microsoft.com/office/drawing/2014/main" id="{3B3B46D4-2095-778D-FED7-4501F94DEE40}"/>
+                <a16:creationId xmlns:a16="http://schemas.microsoft.com/office/drawing/2014/main" id="{F99E5C88-F7FA-A902-2F80-A3254C60BC43}"/>
               </a:ext>
             </a:extLst>
           </p:cNvPr>
@@ -166,7 +166,7 @@
           <p:cNvPr id="3" name="副标题 2">
             <a:extLst>
               <a:ext uri="{FF2B5EF4-FFF2-40B4-BE49-F238E27FC236}">
-                <a16:creationId xmlns:a16="http://schemas.microsoft.com/office/drawing/2014/main" id="{9634CF38-E0D6-EE4E-1D60-B77620E450C0}"/>
+                <a16:creationId xmlns:a16="http://schemas.microsoft.com/office/drawing/2014/main" id="{CCA6745E-7048-7DAE-ED27-21E2CB3687F4}"/>
               </a:ext>
             </a:extLst>
           </p:cNvPr>
@@ -236,7 +236,7 @@
           <p:cNvPr id="4" name="日期占位符 3">
             <a:extLst>
               <a:ext uri="{FF2B5EF4-FFF2-40B4-BE49-F238E27FC236}">
-                <a16:creationId xmlns:a16="http://schemas.microsoft.com/office/drawing/2014/main" id="{9285A831-46F8-0ADC-C4BB-E8A5BCAC34B2}"/>
+                <a16:creationId xmlns:a16="http://schemas.microsoft.com/office/drawing/2014/main" id="{705EAB01-7A04-A6AA-2615-989D3F5BD454}"/>
               </a:ext>
             </a:extLst>
           </p:cNvPr>
@@ -252,7 +252,7 @@
           <a:bodyPr/>
           <a:lstStyle/>
           <a:p>
-            <a:fld id="{56DD50F5-0382-4910-9230-8AAF8AA0226E}" type="datetimeFigureOut">
+            <a:fld id="{E5770118-C737-4EE5-90E4-6125EB861400}" type="datetimeFigureOut">
               <a:rPr lang="zh-CN" altLang="en-US" smtClean="0"/>
               <a:t>2024/3/10</a:t>
             </a:fld>
@@ -265,7 +265,7 @@
           <p:cNvPr id="5" name="页脚占位符 4">
             <a:extLst>
               <a:ext uri="{FF2B5EF4-FFF2-40B4-BE49-F238E27FC236}">
-                <a16:creationId xmlns:a16="http://schemas.microsoft.com/office/drawing/2014/main" id="{291260A4-9D0F-2684-DD7C-A56B9C374D3D}"/>
+                <a16:creationId xmlns:a16="http://schemas.microsoft.com/office/drawing/2014/main" id="{55108BA9-C552-B9D6-7F12-22CB84A0993D}"/>
               </a:ext>
             </a:extLst>
           </p:cNvPr>
@@ -290,7 +290,7 @@
           <p:cNvPr id="6" name="灯片编号占位符 5">
             <a:extLst>
               <a:ext uri="{FF2B5EF4-FFF2-40B4-BE49-F238E27FC236}">
-                <a16:creationId xmlns:a16="http://schemas.microsoft.com/office/drawing/2014/main" id="{CFB483A8-924A-C533-4D1D-CADC49877947}"/>
+                <a16:creationId xmlns:a16="http://schemas.microsoft.com/office/drawing/2014/main" id="{73277753-CBE3-8A55-BC06-A5D92A6001B7}"/>
               </a:ext>
             </a:extLst>
           </p:cNvPr>
@@ -306,7 +306,7 @@
           <a:bodyPr/>
           <a:lstStyle/>
           <a:p>
-            <a:fld id="{9B8DCC31-6C6B-4E68-8C8E-F2DD1398CEA3}" type="slidenum">
+            <a:fld id="{9818AC8B-D364-438D-9812-23A8C3CD8EC2}" type="slidenum">
               <a:rPr lang="zh-CN" altLang="en-US" smtClean="0"/>
               <a:t>‹#›</a:t>
             </a:fld>
@@ -317,7 +317,7 @@
     </p:spTree>
     <p:extLst>
       <p:ext uri="{BB962C8B-B14F-4D97-AF65-F5344CB8AC3E}">
-        <p14:creationId xmlns:p14="http://schemas.microsoft.com/office/powerpoint/2010/main" val="781080943"/>
+        <p14:creationId xmlns:p14="http://schemas.microsoft.com/office/powerpoint/2010/main" val="1096615250"/>
       </p:ext>
     </p:extLst>
   </p:cSld>
@@ -349,7 +349,7 @@
           <p:cNvPr id="2" name="标题 1">
             <a:extLst>
               <a:ext uri="{FF2B5EF4-FFF2-40B4-BE49-F238E27FC236}">
-                <a16:creationId xmlns:a16="http://schemas.microsoft.com/office/drawing/2014/main" id="{B0C9C844-6CF9-65C0-877D-7C5A4A6B5AAE}"/>
+                <a16:creationId xmlns:a16="http://schemas.microsoft.com/office/drawing/2014/main" id="{D9A8935B-4D51-E47C-484C-87110F71F7BA}"/>
               </a:ext>
             </a:extLst>
           </p:cNvPr>
@@ -377,7 +377,7 @@
           <p:cNvPr id="3" name="竖排文字占位符 2">
             <a:extLst>
               <a:ext uri="{FF2B5EF4-FFF2-40B4-BE49-F238E27FC236}">
-                <a16:creationId xmlns:a16="http://schemas.microsoft.com/office/drawing/2014/main" id="{A3CE1074-3760-2A52-AF69-3D22B1F2004E}"/>
+                <a16:creationId xmlns:a16="http://schemas.microsoft.com/office/drawing/2014/main" id="{1AD08B79-127D-671E-1F2B-230913D5845B}"/>
               </a:ext>
             </a:extLst>
           </p:cNvPr>
@@ -434,7 +434,7 @@
           <p:cNvPr id="4" name="日期占位符 3">
             <a:extLst>
               <a:ext uri="{FF2B5EF4-FFF2-40B4-BE49-F238E27FC236}">
-                <a16:creationId xmlns:a16="http://schemas.microsoft.com/office/drawing/2014/main" id="{8D575017-3556-53DC-2FBC-7F725A04F69B}"/>
+                <a16:creationId xmlns:a16="http://schemas.microsoft.com/office/drawing/2014/main" id="{11FE24A4-1061-3291-AB0C-E7A22BFACAF9}"/>
               </a:ext>
             </a:extLst>
           </p:cNvPr>
@@ -450,7 +450,7 @@
           <a:bodyPr/>
           <a:lstStyle/>
           <a:p>
-            <a:fld id="{56DD50F5-0382-4910-9230-8AAF8AA0226E}" type="datetimeFigureOut">
+            <a:fld id="{E5770118-C737-4EE5-90E4-6125EB861400}" type="datetimeFigureOut">
               <a:rPr lang="zh-CN" altLang="en-US" smtClean="0"/>
               <a:t>2024/3/10</a:t>
             </a:fld>
@@ -463,7 +463,7 @@
           <p:cNvPr id="5" name="页脚占位符 4">
             <a:extLst>
               <a:ext uri="{FF2B5EF4-FFF2-40B4-BE49-F238E27FC236}">
-                <a16:creationId xmlns:a16="http://schemas.microsoft.com/office/drawing/2014/main" id="{FC4E135C-62C6-EACF-9E37-0EF29175A724}"/>
+                <a16:creationId xmlns:a16="http://schemas.microsoft.com/office/drawing/2014/main" id="{67496523-2335-815A-3488-1D892CD6EF7F}"/>
               </a:ext>
             </a:extLst>
           </p:cNvPr>
@@ -488,7 +488,7 @@
           <p:cNvPr id="6" name="灯片编号占位符 5">
             <a:extLst>
               <a:ext uri="{FF2B5EF4-FFF2-40B4-BE49-F238E27FC236}">
-                <a16:creationId xmlns:a16="http://schemas.microsoft.com/office/drawing/2014/main" id="{2B2240D7-0BBE-A206-EA50-BCE842F3BE73}"/>
+                <a16:creationId xmlns:a16="http://schemas.microsoft.com/office/drawing/2014/main" id="{9479F291-143B-8212-D507-4BAD36917F20}"/>
               </a:ext>
             </a:extLst>
           </p:cNvPr>
@@ -504,7 +504,7 @@
           <a:bodyPr/>
           <a:lstStyle/>
           <a:p>
-            <a:fld id="{9B8DCC31-6C6B-4E68-8C8E-F2DD1398CEA3}" type="slidenum">
+            <a:fld id="{9818AC8B-D364-438D-9812-23A8C3CD8EC2}" type="slidenum">
               <a:rPr lang="zh-CN" altLang="en-US" smtClean="0"/>
               <a:t>‹#›</a:t>
             </a:fld>
@@ -515,7 +515,7 @@
     </p:spTree>
     <p:extLst>
       <p:ext uri="{BB962C8B-B14F-4D97-AF65-F5344CB8AC3E}">
-        <p14:creationId xmlns:p14="http://schemas.microsoft.com/office/powerpoint/2010/main" val="3711860658"/>
+        <p14:creationId xmlns:p14="http://schemas.microsoft.com/office/powerpoint/2010/main" val="836808597"/>
       </p:ext>
     </p:extLst>
   </p:cSld>
@@ -547,7 +547,7 @@
           <p:cNvPr id="2" name="竖排标题 1">
             <a:extLst>
               <a:ext uri="{FF2B5EF4-FFF2-40B4-BE49-F238E27FC236}">
-                <a16:creationId xmlns:a16="http://schemas.microsoft.com/office/drawing/2014/main" id="{47F424AA-E76D-C877-BF1F-E3E34F782F59}"/>
+                <a16:creationId xmlns:a16="http://schemas.microsoft.com/office/drawing/2014/main" id="{42F35939-B987-D20B-6026-0E99E2073772}"/>
               </a:ext>
             </a:extLst>
           </p:cNvPr>
@@ -580,7 +580,7 @@
           <p:cNvPr id="3" name="竖排文字占位符 2">
             <a:extLst>
               <a:ext uri="{FF2B5EF4-FFF2-40B4-BE49-F238E27FC236}">
-                <a16:creationId xmlns:a16="http://schemas.microsoft.com/office/drawing/2014/main" id="{7DEDED0D-0C8A-5BAE-1FA7-7C20E11C2E9B}"/>
+                <a16:creationId xmlns:a16="http://schemas.microsoft.com/office/drawing/2014/main" id="{3062928F-2D63-8842-04CE-6BC7ADC56267}"/>
               </a:ext>
             </a:extLst>
           </p:cNvPr>
@@ -642,7 +642,7 @@
           <p:cNvPr id="4" name="日期占位符 3">
             <a:extLst>
               <a:ext uri="{FF2B5EF4-FFF2-40B4-BE49-F238E27FC236}">
-                <a16:creationId xmlns:a16="http://schemas.microsoft.com/office/drawing/2014/main" id="{CB745E42-4798-D0A2-3B51-C820044CE554}"/>
+                <a16:creationId xmlns:a16="http://schemas.microsoft.com/office/drawing/2014/main" id="{C7ED355A-7D9C-CA9A-71C0-7D46CA4A733E}"/>
               </a:ext>
             </a:extLst>
           </p:cNvPr>
@@ -658,7 +658,7 @@
           <a:bodyPr/>
           <a:lstStyle/>
           <a:p>
-            <a:fld id="{56DD50F5-0382-4910-9230-8AAF8AA0226E}" type="datetimeFigureOut">
+            <a:fld id="{E5770118-C737-4EE5-90E4-6125EB861400}" type="datetimeFigureOut">
               <a:rPr lang="zh-CN" altLang="en-US" smtClean="0"/>
               <a:t>2024/3/10</a:t>
             </a:fld>
@@ -671,7 +671,7 @@
           <p:cNvPr id="5" name="页脚占位符 4">
             <a:extLst>
               <a:ext uri="{FF2B5EF4-FFF2-40B4-BE49-F238E27FC236}">
-                <a16:creationId xmlns:a16="http://schemas.microsoft.com/office/drawing/2014/main" id="{6E81CA0C-32BB-A0A9-DD98-43DC282C89DD}"/>
+                <a16:creationId xmlns:a16="http://schemas.microsoft.com/office/drawing/2014/main" id="{FB158631-E965-1AF8-8005-C3B062C2E595}"/>
               </a:ext>
             </a:extLst>
           </p:cNvPr>
@@ -696,7 +696,7 @@
           <p:cNvPr id="6" name="灯片编号占位符 5">
             <a:extLst>
               <a:ext uri="{FF2B5EF4-FFF2-40B4-BE49-F238E27FC236}">
-                <a16:creationId xmlns:a16="http://schemas.microsoft.com/office/drawing/2014/main" id="{362BDB6D-CAC9-EA96-78CA-E7C068701184}"/>
+                <a16:creationId xmlns:a16="http://schemas.microsoft.com/office/drawing/2014/main" id="{967DDF21-36E2-D34F-B99C-880B596F68DF}"/>
               </a:ext>
             </a:extLst>
           </p:cNvPr>
@@ -712,7 +712,7 @@
           <a:bodyPr/>
           <a:lstStyle/>
           <a:p>
-            <a:fld id="{9B8DCC31-6C6B-4E68-8C8E-F2DD1398CEA3}" type="slidenum">
+            <a:fld id="{9818AC8B-D364-438D-9812-23A8C3CD8EC2}" type="slidenum">
               <a:rPr lang="zh-CN" altLang="en-US" smtClean="0"/>
               <a:t>‹#›</a:t>
             </a:fld>
@@ -723,7 +723,7 @@
     </p:spTree>
     <p:extLst>
       <p:ext uri="{BB962C8B-B14F-4D97-AF65-F5344CB8AC3E}">
-        <p14:creationId xmlns:p14="http://schemas.microsoft.com/office/powerpoint/2010/main" val="4031707613"/>
+        <p14:creationId xmlns:p14="http://schemas.microsoft.com/office/powerpoint/2010/main" val="3168575053"/>
       </p:ext>
     </p:extLst>
   </p:cSld>
@@ -755,7 +755,7 @@
           <p:cNvPr id="2" name="标题 1">
             <a:extLst>
               <a:ext uri="{FF2B5EF4-FFF2-40B4-BE49-F238E27FC236}">
-                <a16:creationId xmlns:a16="http://schemas.microsoft.com/office/drawing/2014/main" id="{1A194561-5E6F-1C2A-43D0-30BF47346A14}"/>
+                <a16:creationId xmlns:a16="http://schemas.microsoft.com/office/drawing/2014/main" id="{DD037F4B-E797-D653-7756-034BD23B59B3}"/>
               </a:ext>
             </a:extLst>
           </p:cNvPr>
@@ -783,7 +783,7 @@
           <p:cNvPr id="3" name="内容占位符 2">
             <a:extLst>
               <a:ext uri="{FF2B5EF4-FFF2-40B4-BE49-F238E27FC236}">
-                <a16:creationId xmlns:a16="http://schemas.microsoft.com/office/drawing/2014/main" id="{A3AA5A15-650E-7924-028C-C8711EABBA6D}"/>
+                <a16:creationId xmlns:a16="http://schemas.microsoft.com/office/drawing/2014/main" id="{304DADBA-8EEE-9233-A587-722A16753B89}"/>
               </a:ext>
             </a:extLst>
           </p:cNvPr>
@@ -840,7 +840,7 @@
           <p:cNvPr id="4" name="日期占位符 3">
             <a:extLst>
               <a:ext uri="{FF2B5EF4-FFF2-40B4-BE49-F238E27FC236}">
-                <a16:creationId xmlns:a16="http://schemas.microsoft.com/office/drawing/2014/main" id="{BE39A7C2-909F-3AB7-3655-089D93056AFB}"/>
+                <a16:creationId xmlns:a16="http://schemas.microsoft.com/office/drawing/2014/main" id="{E0FAC806-7829-E8C0-BB36-8BD93A8564E5}"/>
               </a:ext>
             </a:extLst>
           </p:cNvPr>
@@ -856,7 +856,7 @@
           <a:bodyPr/>
           <a:lstStyle/>
           <a:p>
-            <a:fld id="{56DD50F5-0382-4910-9230-8AAF8AA0226E}" type="datetimeFigureOut">
+            <a:fld id="{E5770118-C737-4EE5-90E4-6125EB861400}" type="datetimeFigureOut">
               <a:rPr lang="zh-CN" altLang="en-US" smtClean="0"/>
               <a:t>2024/3/10</a:t>
             </a:fld>
@@ -869,7 +869,7 @@
           <p:cNvPr id="5" name="页脚占位符 4">
             <a:extLst>
               <a:ext uri="{FF2B5EF4-FFF2-40B4-BE49-F238E27FC236}">
-                <a16:creationId xmlns:a16="http://schemas.microsoft.com/office/drawing/2014/main" id="{CAEC026D-1E12-7213-6D07-8DBB4CC55663}"/>
+                <a16:creationId xmlns:a16="http://schemas.microsoft.com/office/drawing/2014/main" id="{F2D6B355-778B-360E-D57D-BD5448CC5A94}"/>
               </a:ext>
             </a:extLst>
           </p:cNvPr>
@@ -894,7 +894,7 @@
           <p:cNvPr id="6" name="灯片编号占位符 5">
             <a:extLst>
               <a:ext uri="{FF2B5EF4-FFF2-40B4-BE49-F238E27FC236}">
-                <a16:creationId xmlns:a16="http://schemas.microsoft.com/office/drawing/2014/main" id="{24FC3AF8-7A03-A4A5-8421-2084083361A2}"/>
+                <a16:creationId xmlns:a16="http://schemas.microsoft.com/office/drawing/2014/main" id="{6E2A3D5C-D234-F896-D1CC-91B523826179}"/>
               </a:ext>
             </a:extLst>
           </p:cNvPr>
@@ -910,7 +910,7 @@
           <a:bodyPr/>
           <a:lstStyle/>
           <a:p>
-            <a:fld id="{9B8DCC31-6C6B-4E68-8C8E-F2DD1398CEA3}" type="slidenum">
+            <a:fld id="{9818AC8B-D364-438D-9812-23A8C3CD8EC2}" type="slidenum">
               <a:rPr lang="zh-CN" altLang="en-US" smtClean="0"/>
               <a:t>‹#›</a:t>
             </a:fld>
@@ -921,7 +921,7 @@
     </p:spTree>
     <p:extLst>
       <p:ext uri="{BB962C8B-B14F-4D97-AF65-F5344CB8AC3E}">
-        <p14:creationId xmlns:p14="http://schemas.microsoft.com/office/powerpoint/2010/main" val="2778202965"/>
+        <p14:creationId xmlns:p14="http://schemas.microsoft.com/office/powerpoint/2010/main" val="2337767458"/>
       </p:ext>
     </p:extLst>
   </p:cSld>
@@ -953,7 +953,7 @@
           <p:cNvPr id="2" name="标题 1">
             <a:extLst>
               <a:ext uri="{FF2B5EF4-FFF2-40B4-BE49-F238E27FC236}">
-                <a16:creationId xmlns:a16="http://schemas.microsoft.com/office/drawing/2014/main" id="{A82C3A02-4E65-646D-CC00-90A45ACA2FED}"/>
+                <a16:creationId xmlns:a16="http://schemas.microsoft.com/office/drawing/2014/main" id="{323FD166-076A-46BA-31A6-34B6FB948A5C}"/>
               </a:ext>
             </a:extLst>
           </p:cNvPr>
@@ -990,7 +990,7 @@
           <p:cNvPr id="3" name="文本占位符 2">
             <a:extLst>
               <a:ext uri="{FF2B5EF4-FFF2-40B4-BE49-F238E27FC236}">
-                <a16:creationId xmlns:a16="http://schemas.microsoft.com/office/drawing/2014/main" id="{BD2198AA-ADBB-CE8C-617F-35B74BA7F4CE}"/>
+                <a16:creationId xmlns:a16="http://schemas.microsoft.com/office/drawing/2014/main" id="{FBB4FFFE-1D6C-E4B4-EA66-2AAB99D78E72}"/>
               </a:ext>
             </a:extLst>
           </p:cNvPr>
@@ -1115,7 +1115,7 @@
           <p:cNvPr id="4" name="日期占位符 3">
             <a:extLst>
               <a:ext uri="{FF2B5EF4-FFF2-40B4-BE49-F238E27FC236}">
-                <a16:creationId xmlns:a16="http://schemas.microsoft.com/office/drawing/2014/main" id="{9AA49B6E-AE1D-49FB-9F2F-F691D04FFEA1}"/>
+                <a16:creationId xmlns:a16="http://schemas.microsoft.com/office/drawing/2014/main" id="{DC38D709-9428-760B-F27F-584D4300B5E8}"/>
               </a:ext>
             </a:extLst>
           </p:cNvPr>
@@ -1131,7 +1131,7 @@
           <a:bodyPr/>
           <a:lstStyle/>
           <a:p>
-            <a:fld id="{56DD50F5-0382-4910-9230-8AAF8AA0226E}" type="datetimeFigureOut">
+            <a:fld id="{E5770118-C737-4EE5-90E4-6125EB861400}" type="datetimeFigureOut">
               <a:rPr lang="zh-CN" altLang="en-US" smtClean="0"/>
               <a:t>2024/3/10</a:t>
             </a:fld>
@@ -1144,7 +1144,7 @@
           <p:cNvPr id="5" name="页脚占位符 4">
             <a:extLst>
               <a:ext uri="{FF2B5EF4-FFF2-40B4-BE49-F238E27FC236}">
-                <a16:creationId xmlns:a16="http://schemas.microsoft.com/office/drawing/2014/main" id="{19EAF893-64F6-9554-1CEB-1AA158EC4D92}"/>
+                <a16:creationId xmlns:a16="http://schemas.microsoft.com/office/drawing/2014/main" id="{89151E3B-8B72-8324-BC76-2FCCDA8F15C1}"/>
               </a:ext>
             </a:extLst>
           </p:cNvPr>
@@ -1169,7 +1169,7 @@
           <p:cNvPr id="6" name="灯片编号占位符 5">
             <a:extLst>
               <a:ext uri="{FF2B5EF4-FFF2-40B4-BE49-F238E27FC236}">
-                <a16:creationId xmlns:a16="http://schemas.microsoft.com/office/drawing/2014/main" id="{6B514001-D230-2F7A-1D28-83B3AF23A152}"/>
+                <a16:creationId xmlns:a16="http://schemas.microsoft.com/office/drawing/2014/main" id="{077F21F3-4648-BC59-1FF7-8693A2467082}"/>
               </a:ext>
             </a:extLst>
           </p:cNvPr>
@@ -1185,7 +1185,7 @@
           <a:bodyPr/>
           <a:lstStyle/>
           <a:p>
-            <a:fld id="{9B8DCC31-6C6B-4E68-8C8E-F2DD1398CEA3}" type="slidenum">
+            <a:fld id="{9818AC8B-D364-438D-9812-23A8C3CD8EC2}" type="slidenum">
               <a:rPr lang="zh-CN" altLang="en-US" smtClean="0"/>
               <a:t>‹#›</a:t>
             </a:fld>
@@ -1196,7 +1196,7 @@
     </p:spTree>
     <p:extLst>
       <p:ext uri="{BB962C8B-B14F-4D97-AF65-F5344CB8AC3E}">
-        <p14:creationId xmlns:p14="http://schemas.microsoft.com/office/powerpoint/2010/main" val="1960752997"/>
+        <p14:creationId xmlns:p14="http://schemas.microsoft.com/office/powerpoint/2010/main" val="2837746016"/>
       </p:ext>
     </p:extLst>
   </p:cSld>
@@ -1228,7 +1228,7 @@
           <p:cNvPr id="2" name="标题 1">
             <a:extLst>
               <a:ext uri="{FF2B5EF4-FFF2-40B4-BE49-F238E27FC236}">
-                <a16:creationId xmlns:a16="http://schemas.microsoft.com/office/drawing/2014/main" id="{CC3E57A8-0E9F-C59F-8A0D-7E1FF850730B}"/>
+                <a16:creationId xmlns:a16="http://schemas.microsoft.com/office/drawing/2014/main" id="{8F56646F-0BDF-9730-D464-B42DCE207A4A}"/>
               </a:ext>
             </a:extLst>
           </p:cNvPr>
@@ -1256,7 +1256,7 @@
           <p:cNvPr id="3" name="内容占位符 2">
             <a:extLst>
               <a:ext uri="{FF2B5EF4-FFF2-40B4-BE49-F238E27FC236}">
-                <a16:creationId xmlns:a16="http://schemas.microsoft.com/office/drawing/2014/main" id="{741920CF-8FD4-E418-F34D-0022BA6359A5}"/>
+                <a16:creationId xmlns:a16="http://schemas.microsoft.com/office/drawing/2014/main" id="{BCAF2BC0-7A0D-DDAF-66FF-A88BB847C578}"/>
               </a:ext>
             </a:extLst>
           </p:cNvPr>
@@ -1318,7 +1318,7 @@
           <p:cNvPr id="4" name="内容占位符 3">
             <a:extLst>
               <a:ext uri="{FF2B5EF4-FFF2-40B4-BE49-F238E27FC236}">
-                <a16:creationId xmlns:a16="http://schemas.microsoft.com/office/drawing/2014/main" id="{13AB9AA0-F2C9-A726-17F5-87539D35E07E}"/>
+                <a16:creationId xmlns:a16="http://schemas.microsoft.com/office/drawing/2014/main" id="{99838473-2CD6-F1CB-F55D-4AC44E22DA17}"/>
               </a:ext>
             </a:extLst>
           </p:cNvPr>
@@ -1380,7 +1380,7 @@
           <p:cNvPr id="5" name="日期占位符 4">
             <a:extLst>
               <a:ext uri="{FF2B5EF4-FFF2-40B4-BE49-F238E27FC236}">
-                <a16:creationId xmlns:a16="http://schemas.microsoft.com/office/drawing/2014/main" id="{2FA9ACCA-7B73-5B54-3892-4783637DA080}"/>
+                <a16:creationId xmlns:a16="http://schemas.microsoft.com/office/drawing/2014/main" id="{D764B66B-8916-A477-E161-93EFDAD2C09D}"/>
               </a:ext>
             </a:extLst>
           </p:cNvPr>
@@ -1396,7 +1396,7 @@
           <a:bodyPr/>
           <a:lstStyle/>
           <a:p>
-            <a:fld id="{56DD50F5-0382-4910-9230-8AAF8AA0226E}" type="datetimeFigureOut">
+            <a:fld id="{E5770118-C737-4EE5-90E4-6125EB861400}" type="datetimeFigureOut">
               <a:rPr lang="zh-CN" altLang="en-US" smtClean="0"/>
               <a:t>2024/3/10</a:t>
             </a:fld>
@@ -1409,7 +1409,7 @@
           <p:cNvPr id="6" name="页脚占位符 5">
             <a:extLst>
               <a:ext uri="{FF2B5EF4-FFF2-40B4-BE49-F238E27FC236}">
-                <a16:creationId xmlns:a16="http://schemas.microsoft.com/office/drawing/2014/main" id="{0C0DD3DF-DEC6-6DE8-9017-340866AB980F}"/>
+                <a16:creationId xmlns:a16="http://schemas.microsoft.com/office/drawing/2014/main" id="{396B957D-6F90-7327-4534-C491E67F58B1}"/>
               </a:ext>
             </a:extLst>
           </p:cNvPr>
@@ -1434,7 +1434,7 @@
           <p:cNvPr id="7" name="灯片编号占位符 6">
             <a:extLst>
               <a:ext uri="{FF2B5EF4-FFF2-40B4-BE49-F238E27FC236}">
-                <a16:creationId xmlns:a16="http://schemas.microsoft.com/office/drawing/2014/main" id="{8BCC8904-FBBB-63BA-F383-29DD4C8104F9}"/>
+                <a16:creationId xmlns:a16="http://schemas.microsoft.com/office/drawing/2014/main" id="{0234C5F1-29A4-B866-A0EF-D6D6D14DC532}"/>
               </a:ext>
             </a:extLst>
           </p:cNvPr>
@@ -1450,7 +1450,7 @@
           <a:bodyPr/>
           <a:lstStyle/>
           <a:p>
-            <a:fld id="{9B8DCC31-6C6B-4E68-8C8E-F2DD1398CEA3}" type="slidenum">
+            <a:fld id="{9818AC8B-D364-438D-9812-23A8C3CD8EC2}" type="slidenum">
               <a:rPr lang="zh-CN" altLang="en-US" smtClean="0"/>
               <a:t>‹#›</a:t>
             </a:fld>
@@ -1461,7 +1461,7 @@
     </p:spTree>
     <p:extLst>
       <p:ext uri="{BB962C8B-B14F-4D97-AF65-F5344CB8AC3E}">
-        <p14:creationId xmlns:p14="http://schemas.microsoft.com/office/powerpoint/2010/main" val="2408156953"/>
+        <p14:creationId xmlns:p14="http://schemas.microsoft.com/office/powerpoint/2010/main" val="1263575789"/>
       </p:ext>
     </p:extLst>
   </p:cSld>
@@ -1493,7 +1493,7 @@
           <p:cNvPr id="2" name="标题 1">
             <a:extLst>
               <a:ext uri="{FF2B5EF4-FFF2-40B4-BE49-F238E27FC236}">
-                <a16:creationId xmlns:a16="http://schemas.microsoft.com/office/drawing/2014/main" id="{1A7598AF-04D5-8567-7154-02DF8D06C483}"/>
+                <a16:creationId xmlns:a16="http://schemas.microsoft.com/office/drawing/2014/main" id="{4B9965DA-493A-0C61-3C35-C79F1DD4CE6F}"/>
               </a:ext>
             </a:extLst>
           </p:cNvPr>
@@ -1526,7 +1526,7 @@
           <p:cNvPr id="3" name="文本占位符 2">
             <a:extLst>
               <a:ext uri="{FF2B5EF4-FFF2-40B4-BE49-F238E27FC236}">
-                <a16:creationId xmlns:a16="http://schemas.microsoft.com/office/drawing/2014/main" id="{0C815A2F-D415-BA05-F7F1-CC5BE637BC35}"/>
+                <a16:creationId xmlns:a16="http://schemas.microsoft.com/office/drawing/2014/main" id="{F8561BA3-9D7A-DCC0-9BAC-388FECFFA58A}"/>
               </a:ext>
             </a:extLst>
           </p:cNvPr>
@@ -1597,7 +1597,7 @@
           <p:cNvPr id="4" name="内容占位符 3">
             <a:extLst>
               <a:ext uri="{FF2B5EF4-FFF2-40B4-BE49-F238E27FC236}">
-                <a16:creationId xmlns:a16="http://schemas.microsoft.com/office/drawing/2014/main" id="{E81740AE-8B96-8BEA-C206-74AFC920E314}"/>
+                <a16:creationId xmlns:a16="http://schemas.microsoft.com/office/drawing/2014/main" id="{B1FF031C-1692-99E0-593E-C0393EE96B43}"/>
               </a:ext>
             </a:extLst>
           </p:cNvPr>
@@ -1659,7 +1659,7 @@
           <p:cNvPr id="5" name="文本占位符 4">
             <a:extLst>
               <a:ext uri="{FF2B5EF4-FFF2-40B4-BE49-F238E27FC236}">
-                <a16:creationId xmlns:a16="http://schemas.microsoft.com/office/drawing/2014/main" id="{92E0B0E1-812A-F02B-2113-D2348D1BC3D5}"/>
+                <a16:creationId xmlns:a16="http://schemas.microsoft.com/office/drawing/2014/main" id="{A946DF8D-A25D-D66F-C756-EEC88FB15F48}"/>
               </a:ext>
             </a:extLst>
           </p:cNvPr>
@@ -1730,7 +1730,7 @@
           <p:cNvPr id="6" name="内容占位符 5">
             <a:extLst>
               <a:ext uri="{FF2B5EF4-FFF2-40B4-BE49-F238E27FC236}">
-                <a16:creationId xmlns:a16="http://schemas.microsoft.com/office/drawing/2014/main" id="{ABF383ED-DCCC-5E38-952C-5B1D55F05ED1}"/>
+                <a16:creationId xmlns:a16="http://schemas.microsoft.com/office/drawing/2014/main" id="{A357748E-37F7-DC12-21E1-B8F81CABFD08}"/>
               </a:ext>
             </a:extLst>
           </p:cNvPr>
@@ -1792,7 +1792,7 @@
           <p:cNvPr id="7" name="日期占位符 6">
             <a:extLst>
               <a:ext uri="{FF2B5EF4-FFF2-40B4-BE49-F238E27FC236}">
-                <a16:creationId xmlns:a16="http://schemas.microsoft.com/office/drawing/2014/main" id="{36A63DDB-4614-6760-B541-7764B7530F25}"/>
+                <a16:creationId xmlns:a16="http://schemas.microsoft.com/office/drawing/2014/main" id="{8E907406-F151-8ACB-0849-921183A5A911}"/>
               </a:ext>
             </a:extLst>
           </p:cNvPr>
@@ -1808,7 +1808,7 @@
           <a:bodyPr/>
           <a:lstStyle/>
           <a:p>
-            <a:fld id="{56DD50F5-0382-4910-9230-8AAF8AA0226E}" type="datetimeFigureOut">
+            <a:fld id="{E5770118-C737-4EE5-90E4-6125EB861400}" type="datetimeFigureOut">
               <a:rPr lang="zh-CN" altLang="en-US" smtClean="0"/>
               <a:t>2024/3/10</a:t>
             </a:fld>
@@ -1821,7 +1821,7 @@
           <p:cNvPr id="8" name="页脚占位符 7">
             <a:extLst>
               <a:ext uri="{FF2B5EF4-FFF2-40B4-BE49-F238E27FC236}">
-                <a16:creationId xmlns:a16="http://schemas.microsoft.com/office/drawing/2014/main" id="{EC164C17-062C-5E5E-DD51-9129C0943C65}"/>
+                <a16:creationId xmlns:a16="http://schemas.microsoft.com/office/drawing/2014/main" id="{C360E93F-9BB6-3D9E-B300-87FC8EEB0527}"/>
               </a:ext>
             </a:extLst>
           </p:cNvPr>
@@ -1846,7 +1846,7 @@
           <p:cNvPr id="9" name="灯片编号占位符 8">
             <a:extLst>
               <a:ext uri="{FF2B5EF4-FFF2-40B4-BE49-F238E27FC236}">
-                <a16:creationId xmlns:a16="http://schemas.microsoft.com/office/drawing/2014/main" id="{34DE1487-FC49-A995-B154-C97A4914AC56}"/>
+                <a16:creationId xmlns:a16="http://schemas.microsoft.com/office/drawing/2014/main" id="{35E8E37C-6224-595A-284B-6EEBB81E3BC2}"/>
               </a:ext>
             </a:extLst>
           </p:cNvPr>
@@ -1862,7 +1862,7 @@
           <a:bodyPr/>
           <a:lstStyle/>
           <a:p>
-            <a:fld id="{9B8DCC31-6C6B-4E68-8C8E-F2DD1398CEA3}" type="slidenum">
+            <a:fld id="{9818AC8B-D364-438D-9812-23A8C3CD8EC2}" type="slidenum">
               <a:rPr lang="zh-CN" altLang="en-US" smtClean="0"/>
               <a:t>‹#›</a:t>
             </a:fld>
@@ -1873,7 +1873,7 @@
     </p:spTree>
     <p:extLst>
       <p:ext uri="{BB962C8B-B14F-4D97-AF65-F5344CB8AC3E}">
-        <p14:creationId xmlns:p14="http://schemas.microsoft.com/office/powerpoint/2010/main" val="998820527"/>
+        <p14:creationId xmlns:p14="http://schemas.microsoft.com/office/powerpoint/2010/main" val="3284783217"/>
       </p:ext>
     </p:extLst>
   </p:cSld>
@@ -1905,7 +1905,7 @@
           <p:cNvPr id="2" name="标题 1">
             <a:extLst>
               <a:ext uri="{FF2B5EF4-FFF2-40B4-BE49-F238E27FC236}">
-                <a16:creationId xmlns:a16="http://schemas.microsoft.com/office/drawing/2014/main" id="{3FAEF89E-7283-613C-5440-3C04B53EA980}"/>
+                <a16:creationId xmlns:a16="http://schemas.microsoft.com/office/drawing/2014/main" id="{ED5F7E6D-92D7-1FB0-2BD9-8F8D3A4B2C6E}"/>
               </a:ext>
             </a:extLst>
           </p:cNvPr>
@@ -1933,7 +1933,7 @@
           <p:cNvPr id="3" name="日期占位符 2">
             <a:extLst>
               <a:ext uri="{FF2B5EF4-FFF2-40B4-BE49-F238E27FC236}">
-                <a16:creationId xmlns:a16="http://schemas.microsoft.com/office/drawing/2014/main" id="{4CCF88BA-84F8-2264-1B2A-B1C89FB498C1}"/>
+                <a16:creationId xmlns:a16="http://schemas.microsoft.com/office/drawing/2014/main" id="{CB6A5B79-6F49-F050-AFB0-D2D9618DD6AD}"/>
               </a:ext>
             </a:extLst>
           </p:cNvPr>
@@ -1949,7 +1949,7 @@
           <a:bodyPr/>
           <a:lstStyle/>
           <a:p>
-            <a:fld id="{56DD50F5-0382-4910-9230-8AAF8AA0226E}" type="datetimeFigureOut">
+            <a:fld id="{E5770118-C737-4EE5-90E4-6125EB861400}" type="datetimeFigureOut">
               <a:rPr lang="zh-CN" altLang="en-US" smtClean="0"/>
               <a:t>2024/3/10</a:t>
             </a:fld>
@@ -1962,7 +1962,7 @@
           <p:cNvPr id="4" name="页脚占位符 3">
             <a:extLst>
               <a:ext uri="{FF2B5EF4-FFF2-40B4-BE49-F238E27FC236}">
-                <a16:creationId xmlns:a16="http://schemas.microsoft.com/office/drawing/2014/main" id="{B5714012-49AA-8F64-8127-535F48065C88}"/>
+                <a16:creationId xmlns:a16="http://schemas.microsoft.com/office/drawing/2014/main" id="{B971D404-8E53-435C-7E16-E4F9BDBBEFA9}"/>
               </a:ext>
             </a:extLst>
           </p:cNvPr>
@@ -1987,7 +1987,7 @@
           <p:cNvPr id="5" name="灯片编号占位符 4">
             <a:extLst>
               <a:ext uri="{FF2B5EF4-FFF2-40B4-BE49-F238E27FC236}">
-                <a16:creationId xmlns:a16="http://schemas.microsoft.com/office/drawing/2014/main" id="{702167F5-5E0D-E831-9F27-4610DE6B5FD3}"/>
+                <a16:creationId xmlns:a16="http://schemas.microsoft.com/office/drawing/2014/main" id="{8A17F83B-2C37-165D-08C2-52F6980124D9}"/>
               </a:ext>
             </a:extLst>
           </p:cNvPr>
@@ -2003,7 +2003,7 @@
           <a:bodyPr/>
           <a:lstStyle/>
           <a:p>
-            <a:fld id="{9B8DCC31-6C6B-4E68-8C8E-F2DD1398CEA3}" type="slidenum">
+            <a:fld id="{9818AC8B-D364-438D-9812-23A8C3CD8EC2}" type="slidenum">
               <a:rPr lang="zh-CN" altLang="en-US" smtClean="0"/>
               <a:t>‹#›</a:t>
             </a:fld>
@@ -2014,7 +2014,7 @@
     </p:spTree>
     <p:extLst>
       <p:ext uri="{BB962C8B-B14F-4D97-AF65-F5344CB8AC3E}">
-        <p14:creationId xmlns:p14="http://schemas.microsoft.com/office/powerpoint/2010/main" val="577122359"/>
+        <p14:creationId xmlns:p14="http://schemas.microsoft.com/office/powerpoint/2010/main" val="3171603137"/>
       </p:ext>
     </p:extLst>
   </p:cSld>
@@ -2046,7 +2046,7 @@
           <p:cNvPr id="2" name="日期占位符 1">
             <a:extLst>
               <a:ext uri="{FF2B5EF4-FFF2-40B4-BE49-F238E27FC236}">
-                <a16:creationId xmlns:a16="http://schemas.microsoft.com/office/drawing/2014/main" id="{0BCB64EE-C2C1-6DE9-5CC2-B7E4E37F4619}"/>
+                <a16:creationId xmlns:a16="http://schemas.microsoft.com/office/drawing/2014/main" id="{CF10B284-7CCD-309E-0A3D-6C5F402B6638}"/>
               </a:ext>
             </a:extLst>
           </p:cNvPr>
@@ -2062,7 +2062,7 @@
           <a:bodyPr/>
           <a:lstStyle/>
           <a:p>
-            <a:fld id="{56DD50F5-0382-4910-9230-8AAF8AA0226E}" type="datetimeFigureOut">
+            <a:fld id="{E5770118-C737-4EE5-90E4-6125EB861400}" type="datetimeFigureOut">
               <a:rPr lang="zh-CN" altLang="en-US" smtClean="0"/>
               <a:t>2024/3/10</a:t>
             </a:fld>
@@ -2075,7 +2075,7 @@
           <p:cNvPr id="3" name="页脚占位符 2">
             <a:extLst>
               <a:ext uri="{FF2B5EF4-FFF2-40B4-BE49-F238E27FC236}">
-                <a16:creationId xmlns:a16="http://schemas.microsoft.com/office/drawing/2014/main" id="{C1309565-C670-9791-7645-5EFD603B29E1}"/>
+                <a16:creationId xmlns:a16="http://schemas.microsoft.com/office/drawing/2014/main" id="{4E1CD436-1C62-3CB0-9082-B916520D3C00}"/>
               </a:ext>
             </a:extLst>
           </p:cNvPr>
@@ -2100,7 +2100,7 @@
           <p:cNvPr id="4" name="灯片编号占位符 3">
             <a:extLst>
               <a:ext uri="{FF2B5EF4-FFF2-40B4-BE49-F238E27FC236}">
-                <a16:creationId xmlns:a16="http://schemas.microsoft.com/office/drawing/2014/main" id="{E7BAC843-CC02-DB02-5D3C-242B1E5EF10E}"/>
+                <a16:creationId xmlns:a16="http://schemas.microsoft.com/office/drawing/2014/main" id="{9B68223E-6EE9-3A13-AE13-D03F63BB6B88}"/>
               </a:ext>
             </a:extLst>
           </p:cNvPr>
@@ -2116,7 +2116,7 @@
           <a:bodyPr/>
           <a:lstStyle/>
           <a:p>
-            <a:fld id="{9B8DCC31-6C6B-4E68-8C8E-F2DD1398CEA3}" type="slidenum">
+            <a:fld id="{9818AC8B-D364-438D-9812-23A8C3CD8EC2}" type="slidenum">
               <a:rPr lang="zh-CN" altLang="en-US" smtClean="0"/>
               <a:t>‹#›</a:t>
             </a:fld>
@@ -2127,7 +2127,7 @@
     </p:spTree>
     <p:extLst>
       <p:ext uri="{BB962C8B-B14F-4D97-AF65-F5344CB8AC3E}">
-        <p14:creationId xmlns:p14="http://schemas.microsoft.com/office/powerpoint/2010/main" val="846957596"/>
+        <p14:creationId xmlns:p14="http://schemas.microsoft.com/office/powerpoint/2010/main" val="3049161628"/>
       </p:ext>
     </p:extLst>
   </p:cSld>
@@ -2159,7 +2159,7 @@
           <p:cNvPr id="2" name="标题 1">
             <a:extLst>
               <a:ext uri="{FF2B5EF4-FFF2-40B4-BE49-F238E27FC236}">
-                <a16:creationId xmlns:a16="http://schemas.microsoft.com/office/drawing/2014/main" id="{EB3C7BC7-4845-3763-1A5A-69761A538BEC}"/>
+                <a16:creationId xmlns:a16="http://schemas.microsoft.com/office/drawing/2014/main" id="{11483854-BF10-A204-3171-E57962B89E57}"/>
               </a:ext>
             </a:extLst>
           </p:cNvPr>
@@ -2196,7 +2196,7 @@
           <p:cNvPr id="3" name="内容占位符 2">
             <a:extLst>
               <a:ext uri="{FF2B5EF4-FFF2-40B4-BE49-F238E27FC236}">
-                <a16:creationId xmlns:a16="http://schemas.microsoft.com/office/drawing/2014/main" id="{37E3332B-9155-09BE-8157-2509CEBF6DAD}"/>
+                <a16:creationId xmlns:a16="http://schemas.microsoft.com/office/drawing/2014/main" id="{702DDDE6-D40E-D5F3-2506-F8CACA4D52BE}"/>
               </a:ext>
             </a:extLst>
           </p:cNvPr>
@@ -2286,7 +2286,7 @@
           <p:cNvPr id="4" name="文本占位符 3">
             <a:extLst>
               <a:ext uri="{FF2B5EF4-FFF2-40B4-BE49-F238E27FC236}">
-                <a16:creationId xmlns:a16="http://schemas.microsoft.com/office/drawing/2014/main" id="{C1A7AE1D-AE21-92C6-667B-797FB1EB36AC}"/>
+                <a16:creationId xmlns:a16="http://schemas.microsoft.com/office/drawing/2014/main" id="{6AB66894-210B-AFEC-81CF-0D112BBF15DA}"/>
               </a:ext>
             </a:extLst>
           </p:cNvPr>
@@ -2357,7 +2357,7 @@
           <p:cNvPr id="5" name="日期占位符 4">
             <a:extLst>
               <a:ext uri="{FF2B5EF4-FFF2-40B4-BE49-F238E27FC236}">
-                <a16:creationId xmlns:a16="http://schemas.microsoft.com/office/drawing/2014/main" id="{A2A83195-D1A7-84A0-20C9-9FEB0F298A20}"/>
+                <a16:creationId xmlns:a16="http://schemas.microsoft.com/office/drawing/2014/main" id="{55DE03F1-8793-56F8-41B8-90037671F71A}"/>
               </a:ext>
             </a:extLst>
           </p:cNvPr>
@@ -2373,7 +2373,7 @@
           <a:bodyPr/>
           <a:lstStyle/>
           <a:p>
-            <a:fld id="{56DD50F5-0382-4910-9230-8AAF8AA0226E}" type="datetimeFigureOut">
+            <a:fld id="{E5770118-C737-4EE5-90E4-6125EB861400}" type="datetimeFigureOut">
               <a:rPr lang="zh-CN" altLang="en-US" smtClean="0"/>
               <a:t>2024/3/10</a:t>
             </a:fld>
@@ -2386,7 +2386,7 @@
           <p:cNvPr id="6" name="页脚占位符 5">
             <a:extLst>
               <a:ext uri="{FF2B5EF4-FFF2-40B4-BE49-F238E27FC236}">
-                <a16:creationId xmlns:a16="http://schemas.microsoft.com/office/drawing/2014/main" id="{A67C52F5-8E40-9E6C-236D-127AD49F676A}"/>
+                <a16:creationId xmlns:a16="http://schemas.microsoft.com/office/drawing/2014/main" id="{8C93B900-3268-2B45-BF53-9227F38FCF83}"/>
               </a:ext>
             </a:extLst>
           </p:cNvPr>
@@ -2411,7 +2411,7 @@
           <p:cNvPr id="7" name="灯片编号占位符 6">
             <a:extLst>
               <a:ext uri="{FF2B5EF4-FFF2-40B4-BE49-F238E27FC236}">
-                <a16:creationId xmlns:a16="http://schemas.microsoft.com/office/drawing/2014/main" id="{2BAC48FF-13FA-C592-5A6C-712FADFBD0E9}"/>
+                <a16:creationId xmlns:a16="http://schemas.microsoft.com/office/drawing/2014/main" id="{C164521E-0792-AAA5-385B-C3D59459741D}"/>
               </a:ext>
             </a:extLst>
           </p:cNvPr>
@@ -2427,7 +2427,7 @@
           <a:bodyPr/>
           <a:lstStyle/>
           <a:p>
-            <a:fld id="{9B8DCC31-6C6B-4E68-8C8E-F2DD1398CEA3}" type="slidenum">
+            <a:fld id="{9818AC8B-D364-438D-9812-23A8C3CD8EC2}" type="slidenum">
               <a:rPr lang="zh-CN" altLang="en-US" smtClean="0"/>
               <a:t>‹#›</a:t>
             </a:fld>
@@ -2438,7 +2438,7 @@
     </p:spTree>
     <p:extLst>
       <p:ext uri="{BB962C8B-B14F-4D97-AF65-F5344CB8AC3E}">
-        <p14:creationId xmlns:p14="http://schemas.microsoft.com/office/powerpoint/2010/main" val="4209786736"/>
+        <p14:creationId xmlns:p14="http://schemas.microsoft.com/office/powerpoint/2010/main" val="3890936048"/>
       </p:ext>
     </p:extLst>
   </p:cSld>
@@ -2470,7 +2470,7 @@
           <p:cNvPr id="2" name="标题 1">
             <a:extLst>
               <a:ext uri="{FF2B5EF4-FFF2-40B4-BE49-F238E27FC236}">
-                <a16:creationId xmlns:a16="http://schemas.microsoft.com/office/drawing/2014/main" id="{7F33EAB8-8882-9EF2-BDEF-416D22B33ABF}"/>
+                <a16:creationId xmlns:a16="http://schemas.microsoft.com/office/drawing/2014/main" id="{B7F5AF04-16D8-BDB3-5154-719945D4D0A6}"/>
               </a:ext>
             </a:extLst>
           </p:cNvPr>
@@ -2507,7 +2507,7 @@
           <p:cNvPr id="3" name="图片占位符 2">
             <a:extLst>
               <a:ext uri="{FF2B5EF4-FFF2-40B4-BE49-F238E27FC236}">
-                <a16:creationId xmlns:a16="http://schemas.microsoft.com/office/drawing/2014/main" id="{4E8099E6-A74E-1DAD-40F0-E61E7744B714}"/>
+                <a16:creationId xmlns:a16="http://schemas.microsoft.com/office/drawing/2014/main" id="{39F3708F-9EDE-9F0D-C327-4F08592B4A16}"/>
               </a:ext>
             </a:extLst>
           </p:cNvPr>
@@ -2574,7 +2574,7 @@
           <p:cNvPr id="4" name="文本占位符 3">
             <a:extLst>
               <a:ext uri="{FF2B5EF4-FFF2-40B4-BE49-F238E27FC236}">
-                <a16:creationId xmlns:a16="http://schemas.microsoft.com/office/drawing/2014/main" id="{5BC49670-8CF9-D90F-B892-822D3CA1587F}"/>
+                <a16:creationId xmlns:a16="http://schemas.microsoft.com/office/drawing/2014/main" id="{5E37FCC6-8EFD-FFCA-F340-25C41FFEC1A8}"/>
               </a:ext>
             </a:extLst>
           </p:cNvPr>
@@ -2645,7 +2645,7 @@
           <p:cNvPr id="5" name="日期占位符 4">
             <a:extLst>
               <a:ext uri="{FF2B5EF4-FFF2-40B4-BE49-F238E27FC236}">
-                <a16:creationId xmlns:a16="http://schemas.microsoft.com/office/drawing/2014/main" id="{7847D193-6006-65CF-201B-69BECFF6E5FD}"/>
+                <a16:creationId xmlns:a16="http://schemas.microsoft.com/office/drawing/2014/main" id="{0B6CC2C6-86E3-7AAA-7C17-791950AA7B52}"/>
               </a:ext>
             </a:extLst>
           </p:cNvPr>
@@ -2661,7 +2661,7 @@
           <a:bodyPr/>
           <a:lstStyle/>
           <a:p>
-            <a:fld id="{56DD50F5-0382-4910-9230-8AAF8AA0226E}" type="datetimeFigureOut">
+            <a:fld id="{E5770118-C737-4EE5-90E4-6125EB861400}" type="datetimeFigureOut">
               <a:rPr lang="zh-CN" altLang="en-US" smtClean="0"/>
               <a:t>2024/3/10</a:t>
             </a:fld>
@@ -2674,7 +2674,7 @@
           <p:cNvPr id="6" name="页脚占位符 5">
             <a:extLst>
               <a:ext uri="{FF2B5EF4-FFF2-40B4-BE49-F238E27FC236}">
-                <a16:creationId xmlns:a16="http://schemas.microsoft.com/office/drawing/2014/main" id="{88EA1873-CFD5-846C-9B09-FAC3BBD76CF7}"/>
+                <a16:creationId xmlns:a16="http://schemas.microsoft.com/office/drawing/2014/main" id="{2474237A-295A-C5E5-EFA0-777C1D933B80}"/>
               </a:ext>
             </a:extLst>
           </p:cNvPr>
@@ -2699,7 +2699,7 @@
           <p:cNvPr id="7" name="灯片编号占位符 6">
             <a:extLst>
               <a:ext uri="{FF2B5EF4-FFF2-40B4-BE49-F238E27FC236}">
-                <a16:creationId xmlns:a16="http://schemas.microsoft.com/office/drawing/2014/main" id="{AAB859A9-40A6-4B86-1D35-E79884754B76}"/>
+                <a16:creationId xmlns:a16="http://schemas.microsoft.com/office/drawing/2014/main" id="{1A7B59FA-972B-3644-0650-00CA0B24B077}"/>
               </a:ext>
             </a:extLst>
           </p:cNvPr>
@@ -2715,7 +2715,7 @@
           <a:bodyPr/>
           <a:lstStyle/>
           <a:p>
-            <a:fld id="{9B8DCC31-6C6B-4E68-8C8E-F2DD1398CEA3}" type="slidenum">
+            <a:fld id="{9818AC8B-D364-438D-9812-23A8C3CD8EC2}" type="slidenum">
               <a:rPr lang="zh-CN" altLang="en-US" smtClean="0"/>
               <a:t>‹#›</a:t>
             </a:fld>
@@ -2726,7 +2726,7 @@
     </p:spTree>
     <p:extLst>
       <p:ext uri="{BB962C8B-B14F-4D97-AF65-F5344CB8AC3E}">
-        <p14:creationId xmlns:p14="http://schemas.microsoft.com/office/powerpoint/2010/main" val="703948274"/>
+        <p14:creationId xmlns:p14="http://schemas.microsoft.com/office/powerpoint/2010/main" val="1874667392"/>
       </p:ext>
     </p:extLst>
   </p:cSld>
@@ -2763,7 +2763,7 @@
           <p:cNvPr id="2" name="标题占位符 1">
             <a:extLst>
               <a:ext uri="{FF2B5EF4-FFF2-40B4-BE49-F238E27FC236}">
-                <a16:creationId xmlns:a16="http://schemas.microsoft.com/office/drawing/2014/main" id="{A423FCF7-1D42-A731-D1FD-A6AC85CD3B7C}"/>
+                <a16:creationId xmlns:a16="http://schemas.microsoft.com/office/drawing/2014/main" id="{8129BBEE-74F0-979D-598F-8704937889CA}"/>
               </a:ext>
             </a:extLst>
           </p:cNvPr>
@@ -2801,7 +2801,7 @@
           <p:cNvPr id="3" name="文本占位符 2">
             <a:extLst>
               <a:ext uri="{FF2B5EF4-FFF2-40B4-BE49-F238E27FC236}">
-                <a16:creationId xmlns:a16="http://schemas.microsoft.com/office/drawing/2014/main" id="{54D765DC-3DCE-0D8E-36EF-D1ED0E95CCEB}"/>
+                <a16:creationId xmlns:a16="http://schemas.microsoft.com/office/drawing/2014/main" id="{C06E63E6-6289-9E78-F7FB-FC1C36D7BB15}"/>
               </a:ext>
             </a:extLst>
           </p:cNvPr>
@@ -2868,7 +2868,7 @@
           <p:cNvPr id="4" name="日期占位符 3">
             <a:extLst>
               <a:ext uri="{FF2B5EF4-FFF2-40B4-BE49-F238E27FC236}">
-                <a16:creationId xmlns:a16="http://schemas.microsoft.com/office/drawing/2014/main" id="{AD72750A-EE29-70F3-DB50-AC037F386CDA}"/>
+                <a16:creationId xmlns:a16="http://schemas.microsoft.com/office/drawing/2014/main" id="{40CDF1BB-B6DC-0E95-1F07-A9DDAE1F9D47}"/>
               </a:ext>
             </a:extLst>
           </p:cNvPr>
@@ -2902,7 +2902,7 @@
             </a:lvl1pPr>
           </a:lstStyle>
           <a:p>
-            <a:fld id="{56DD50F5-0382-4910-9230-8AAF8AA0226E}" type="datetimeFigureOut">
+            <a:fld id="{E5770118-C737-4EE5-90E4-6125EB861400}" type="datetimeFigureOut">
               <a:rPr lang="zh-CN" altLang="en-US" smtClean="0"/>
               <a:t>2024/3/10</a:t>
             </a:fld>
@@ -2915,7 +2915,7 @@
           <p:cNvPr id="5" name="页脚占位符 4">
             <a:extLst>
               <a:ext uri="{FF2B5EF4-FFF2-40B4-BE49-F238E27FC236}">
-                <a16:creationId xmlns:a16="http://schemas.microsoft.com/office/drawing/2014/main" id="{4E3BAC5F-BD79-40AA-7105-2FEE4D2AE294}"/>
+                <a16:creationId xmlns:a16="http://schemas.microsoft.com/office/drawing/2014/main" id="{7919DED8-B435-9BB4-66D6-376117ABCF5A}"/>
               </a:ext>
             </a:extLst>
           </p:cNvPr>
@@ -2958,7 +2958,7 @@
           <p:cNvPr id="6" name="灯片编号占位符 5">
             <a:extLst>
               <a:ext uri="{FF2B5EF4-FFF2-40B4-BE49-F238E27FC236}">
-                <a16:creationId xmlns:a16="http://schemas.microsoft.com/office/drawing/2014/main" id="{EF06E070-B8A9-3D19-91CC-42F5A8B96E22}"/>
+                <a16:creationId xmlns:a16="http://schemas.microsoft.com/office/drawing/2014/main" id="{814B96E5-1120-ADAB-F606-298F68431338}"/>
               </a:ext>
             </a:extLst>
           </p:cNvPr>
@@ -2992,7 +2992,7 @@
             </a:lvl1pPr>
           </a:lstStyle>
           <a:p>
-            <a:fld id="{9B8DCC31-6C6B-4E68-8C8E-F2DD1398CEA3}" type="slidenum">
+            <a:fld id="{9818AC8B-D364-438D-9812-23A8C3CD8EC2}" type="slidenum">
               <a:rPr lang="zh-CN" altLang="en-US" smtClean="0"/>
               <a:t>‹#›</a:t>
             </a:fld>
@@ -3003,7 +3003,7 @@
     </p:spTree>
     <p:extLst>
       <p:ext uri="{BB962C8B-B14F-4D97-AF65-F5344CB8AC3E}">
-        <p14:creationId xmlns:p14="http://schemas.microsoft.com/office/powerpoint/2010/main" val="2668975083"/>
+        <p14:creationId xmlns:p14="http://schemas.microsoft.com/office/powerpoint/2010/main" val="1761564881"/>
       </p:ext>
     </p:extLst>
   </p:cSld>
